--- a/ReportSlides/week2_yzc.pptx
+++ b/ReportSlides/week2_yzc.pptx
@@ -6393,7 +6393,7 @@
         <p:spPr>
           <a:xfrm>
             <a:off x="785191" y="477078"/>
-            <a:ext cx="9571383" cy="923330"/>
+            <a:ext cx="9571383" cy="1200329"/>
           </a:xfrm>
           <a:prstGeom prst="rect">
             <a:avLst/>
@@ -6438,10 +6438,24 @@
               <a:buAutoNum type="arabicPeriod"/>
             </a:pPr>
             <a:r>
-              <a:rPr lang="zh-CN" altLang="en-US"/>
+              <a:rPr lang="zh-CN" altLang="en-US" dirty="0"/>
               <a:t>曲线拟合</a:t>
             </a:r>
-            <a:endParaRPr lang="en-US" altLang="zh-CN"/>
+            <a:endParaRPr lang="en-US" altLang="zh-CN" dirty="0"/>
+          </a:p>
+          <a:p>
+            <a:pPr marL="342900" indent="-342900">
+              <a:buAutoNum type="arabicPeriod"/>
+            </a:pPr>
+            <a:r>
+              <a:rPr lang="en-US" altLang="zh-CN" dirty="0"/>
+              <a:t>Y</a:t>
+            </a:r>
+            <a:r>
+              <a:rPr lang="zh-CN" altLang="en-US" dirty="0"/>
+              <a:t>轴归一化时，将两个通道的数据分开归一化，防止出现两侧照明不均匀影响结果的情况</a:t>
+            </a:r>
+            <a:endParaRPr lang="en-US" altLang="zh-CN" dirty="0"/>
           </a:p>
         </p:txBody>
       </p:sp>

--- a/ReportSlides/week2_yzc.pptx
+++ b/ReportSlides/week2_yzc.pptx
@@ -6393,7 +6393,7 @@
         <p:spPr>
           <a:xfrm>
             <a:off x="785191" y="477078"/>
-            <a:ext cx="9571383" cy="1200329"/>
+            <a:ext cx="9571383" cy="2031325"/>
           </a:xfrm>
           <a:prstGeom prst="rect">
             <a:avLst/>
@@ -6454,6 +6454,26 @@
             <a:r>
               <a:rPr lang="zh-CN" altLang="en-US" dirty="0"/>
               <a:t>轴归一化时，将两个通道的数据分开归一化，防止出现两侧照明不均匀影响结果的情况</a:t>
+            </a:r>
+            <a:endParaRPr lang="en-US" altLang="zh-CN" dirty="0"/>
+          </a:p>
+          <a:p>
+            <a:pPr marL="342900" indent="-342900">
+              <a:buAutoNum type="arabicPeriod"/>
+            </a:pPr>
+            <a:r>
+              <a:rPr lang="zh-CN" altLang="en-US" dirty="0"/>
+              <a:t>光照条件对数据造成的影响：宿舍日光灯、暗光、图书馆强光三种情况；如何设计滤波与平滑方式归一化不同情况下的数据？</a:t>
+            </a:r>
+            <a:endParaRPr lang="en-US" altLang="zh-CN" dirty="0"/>
+          </a:p>
+          <a:p>
+            <a:pPr marL="342900" indent="-342900">
+              <a:buAutoNum type="arabicPeriod"/>
+            </a:pPr>
+            <a:r>
+              <a:rPr lang="zh-CN" altLang="en-US"/>
+              <a:t>左手和右手的区别：采集数据</a:t>
             </a:r>
             <a:endParaRPr lang="en-US" altLang="zh-CN" dirty="0"/>
           </a:p>

--- a/ReportSlides/week2_yzc.pptx
+++ b/ReportSlides/week2_yzc.pptx
@@ -6393,7 +6393,7 @@
         <p:spPr>
           <a:xfrm>
             <a:off x="785191" y="477078"/>
-            <a:ext cx="9571383" cy="2031325"/>
+            <a:ext cx="9571383" cy="2308324"/>
           </a:xfrm>
           <a:prstGeom prst="rect">
             <a:avLst/>
@@ -6472,8 +6472,18 @@
               <a:buAutoNum type="arabicPeriod"/>
             </a:pPr>
             <a:r>
+              <a:rPr lang="zh-CN" altLang="en-US" dirty="0"/>
+              <a:t>左手和右手的区别：采集数据</a:t>
+            </a:r>
+            <a:endParaRPr lang="en-US" altLang="zh-CN" dirty="0"/>
+          </a:p>
+          <a:p>
+            <a:pPr marL="342900" indent="-342900">
+              <a:buAutoNum type="arabicPeriod"/>
+            </a:pPr>
+            <a:r>
               <a:rPr lang="zh-CN" altLang="en-US"/>
-              <a:t>左手和右手的区别：采集数据</a:t>
+              <a:t>高光强下滑动平均滤波会出现锯齿，考虑进一步平滑处理</a:t>
             </a:r>
             <a:endParaRPr lang="en-US" altLang="zh-CN" dirty="0"/>
           </a:p>
